--- a/Introduction To Linear Regression.pptx
+++ b/Introduction To Linear Regression.pptx
@@ -5,7 +5,7 @@
     <p:sldMasterId id="2147483648" r:id="rId1"/>
   </p:sldMasterIdLst>
   <p:notesMasterIdLst>
-    <p:notesMasterId r:id="rId20"/>
+    <p:notesMasterId r:id="rId25"/>
   </p:notesMasterIdLst>
   <p:sldIdLst>
     <p:sldId id="273" r:id="rId2"/>
@@ -25,7 +25,12 @@
     <p:sldId id="269" r:id="rId16"/>
     <p:sldId id="270" r:id="rId17"/>
     <p:sldId id="271" r:id="rId18"/>
-    <p:sldId id="272" r:id="rId19"/>
+    <p:sldId id="274" r:id="rId19"/>
+    <p:sldId id="275" r:id="rId20"/>
+    <p:sldId id="276" r:id="rId21"/>
+    <p:sldId id="277" r:id="rId22"/>
+    <p:sldId id="278" r:id="rId23"/>
+    <p:sldId id="272" r:id="rId24"/>
   </p:sldIdLst>
   <p:sldSz cx="9144000" cy="6858000" type="screen4x3"/>
   <p:notesSz cx="6858000" cy="9144000"/>
@@ -209,7 +214,7 @@
           <a:p>
             <a:fld id="{A8F0A7B7-C779-4832-B3D9-C4599B2FAE92}" type="datetimeFigureOut">
               <a:rPr lang="en-US" smtClean="0"/>
-              <a:t>4/28/2019</a:t>
+              <a:t>6/2/2019</a:t>
             </a:fld>
             <a:endParaRPr lang="en-US"/>
           </a:p>
@@ -742,7 +747,7 @@
           <a:p>
             <a:fld id="{2A3B82F4-E06F-41F8-9211-7EC37FF21BDE}" type="datetimeFigureOut">
               <a:rPr lang="en-US" smtClean="0"/>
-              <a:t>4/28/2019</a:t>
+              <a:t>6/2/2019</a:t>
             </a:fld>
             <a:endParaRPr lang="en-US"/>
           </a:p>
@@ -912,7 +917,7 @@
           <a:p>
             <a:fld id="{2A3B82F4-E06F-41F8-9211-7EC37FF21BDE}" type="datetimeFigureOut">
               <a:rPr lang="en-US" smtClean="0"/>
-              <a:t>4/28/2019</a:t>
+              <a:t>6/2/2019</a:t>
             </a:fld>
             <a:endParaRPr lang="en-US"/>
           </a:p>
@@ -1092,7 +1097,7 @@
           <a:p>
             <a:fld id="{2A3B82F4-E06F-41F8-9211-7EC37FF21BDE}" type="datetimeFigureOut">
               <a:rPr lang="en-US" smtClean="0"/>
-              <a:t>4/28/2019</a:t>
+              <a:t>6/2/2019</a:t>
             </a:fld>
             <a:endParaRPr lang="en-US"/>
           </a:p>
@@ -1262,7 +1267,7 @@
           <a:p>
             <a:fld id="{2A3B82F4-E06F-41F8-9211-7EC37FF21BDE}" type="datetimeFigureOut">
               <a:rPr lang="en-US" smtClean="0"/>
-              <a:t>4/28/2019</a:t>
+              <a:t>6/2/2019</a:t>
             </a:fld>
             <a:endParaRPr lang="en-US"/>
           </a:p>
@@ -1508,7 +1513,7 @@
           <a:p>
             <a:fld id="{2A3B82F4-E06F-41F8-9211-7EC37FF21BDE}" type="datetimeFigureOut">
               <a:rPr lang="en-US" smtClean="0"/>
-              <a:t>4/28/2019</a:t>
+              <a:t>6/2/2019</a:t>
             </a:fld>
             <a:endParaRPr lang="en-US"/>
           </a:p>
@@ -1796,7 +1801,7 @@
           <a:p>
             <a:fld id="{2A3B82F4-E06F-41F8-9211-7EC37FF21BDE}" type="datetimeFigureOut">
               <a:rPr lang="en-US" smtClean="0"/>
-              <a:t>4/28/2019</a:t>
+              <a:t>6/2/2019</a:t>
             </a:fld>
             <a:endParaRPr lang="en-US"/>
           </a:p>
@@ -2218,7 +2223,7 @@
           <a:p>
             <a:fld id="{2A3B82F4-E06F-41F8-9211-7EC37FF21BDE}" type="datetimeFigureOut">
               <a:rPr lang="en-US" smtClean="0"/>
-              <a:t>4/28/2019</a:t>
+              <a:t>6/2/2019</a:t>
             </a:fld>
             <a:endParaRPr lang="en-US"/>
           </a:p>
@@ -2336,7 +2341,7 @@
           <a:p>
             <a:fld id="{2A3B82F4-E06F-41F8-9211-7EC37FF21BDE}" type="datetimeFigureOut">
               <a:rPr lang="en-US" smtClean="0"/>
-              <a:t>4/28/2019</a:t>
+              <a:t>6/2/2019</a:t>
             </a:fld>
             <a:endParaRPr lang="en-US"/>
           </a:p>
@@ -2431,7 +2436,7 @@
           <a:p>
             <a:fld id="{2A3B82F4-E06F-41F8-9211-7EC37FF21BDE}" type="datetimeFigureOut">
               <a:rPr lang="en-US" smtClean="0"/>
-              <a:t>4/28/2019</a:t>
+              <a:t>6/2/2019</a:t>
             </a:fld>
             <a:endParaRPr lang="en-US"/>
           </a:p>
@@ -2708,7 +2713,7 @@
           <a:p>
             <a:fld id="{2A3B82F4-E06F-41F8-9211-7EC37FF21BDE}" type="datetimeFigureOut">
               <a:rPr lang="en-US" smtClean="0"/>
-              <a:t>4/28/2019</a:t>
+              <a:t>6/2/2019</a:t>
             </a:fld>
             <a:endParaRPr lang="en-US"/>
           </a:p>
@@ -2961,7 +2966,7 @@
           <a:p>
             <a:fld id="{2A3B82F4-E06F-41F8-9211-7EC37FF21BDE}" type="datetimeFigureOut">
               <a:rPr lang="en-US" smtClean="0"/>
-              <a:t>4/28/2019</a:t>
+              <a:t>6/2/2019</a:t>
             </a:fld>
             <a:endParaRPr lang="en-US"/>
           </a:p>
@@ -3174,7 +3179,7 @@
           <a:p>
             <a:fld id="{2A3B82F4-E06F-41F8-9211-7EC37FF21BDE}" type="datetimeFigureOut">
               <a:rPr lang="en-US" smtClean="0"/>
-              <a:t>4/28/2019</a:t>
+              <a:t>6/2/2019</a:t>
             </a:fld>
             <a:endParaRPr lang="en-US"/>
           </a:p>
@@ -4889,6 +4894,398 @@
           <a:chExt cx="0" cy="0"/>
         </a:xfrm>
       </p:grpSpPr>
+      <p:sp>
+        <p:nvSpPr>
+          <p:cNvPr id="2" name="Title 1"/>
+          <p:cNvSpPr>
+            <a:spLocks noGrp="1"/>
+          </p:cNvSpPr>
+          <p:nvPr>
+            <p:ph type="title"/>
+          </p:nvPr>
+        </p:nvSpPr>
+        <p:spPr>
+          <a:xfrm>
+            <a:off x="457200" y="274638"/>
+            <a:ext cx="8229600" cy="1020762"/>
+          </a:xfrm>
+        </p:spPr>
+        <p:txBody>
+          <a:bodyPr>
+            <a:normAutofit fontScale="90000"/>
+          </a:bodyPr>
+          <a:lstStyle/>
+          <a:p>
+            <a:r>
+              <a:rPr lang="en-US" dirty="0" err="1" smtClean="0"/>
+              <a:t>Multicollinearity</a:t>
+            </a:r>
+            <a:r>
+              <a:rPr lang="en-US" dirty="0" smtClean="0"/>
+              <a:t> and Variance Inflation Factor</a:t>
+            </a:r>
+            <a:endParaRPr lang="en-US" dirty="0"/>
+          </a:p>
+        </p:txBody>
+      </p:sp>
+      <p:sp>
+        <p:nvSpPr>
+          <p:cNvPr id="5" name="Content Placeholder 4"/>
+          <p:cNvSpPr>
+            <a:spLocks noGrp="1"/>
+          </p:cNvSpPr>
+          <p:nvPr>
+            <p:ph idx="1"/>
+          </p:nvPr>
+        </p:nvSpPr>
+        <p:spPr>
+          <a:xfrm>
+            <a:off x="381000" y="1752600"/>
+            <a:ext cx="8229600" cy="4571999"/>
+          </a:xfrm>
+        </p:spPr>
+        <p:txBody>
+          <a:bodyPr>
+            <a:normAutofit/>
+          </a:bodyPr>
+          <a:lstStyle/>
+          <a:p>
+            <a:r>
+              <a:rPr lang="en-US" sz="1600" dirty="0"/>
+              <a:t>In </a:t>
+            </a:r>
+            <a:r>
+              <a:rPr lang="en-US" sz="1600" dirty="0">
+                <a:hlinkClick r:id="rId2" tooltip="Statistics"/>
+              </a:rPr>
+              <a:t>statistics</a:t>
+            </a:r>
+            <a:r>
+              <a:rPr lang="en-US" sz="1600" dirty="0"/>
+              <a:t>, </a:t>
+            </a:r>
+            <a:r>
+              <a:rPr lang="en-US" sz="1600" b="1" dirty="0" err="1"/>
+              <a:t>multicollinearity</a:t>
+            </a:r>
+            <a:r>
+              <a:rPr lang="en-US" sz="1600" dirty="0"/>
+              <a:t> (also </a:t>
+            </a:r>
+            <a:r>
+              <a:rPr lang="en-US" sz="1600" b="1" dirty="0" err="1"/>
+              <a:t>collinearity</a:t>
+            </a:r>
+            <a:r>
+              <a:rPr lang="en-US" sz="1600" dirty="0"/>
+              <a:t>) is a phenomenon in which </a:t>
+            </a:r>
+            <a:r>
+              <a:rPr lang="en-US" sz="1600" dirty="0" smtClean="0"/>
+              <a:t>one predictor</a:t>
+            </a:r>
+            <a:r>
+              <a:rPr lang="en-US" sz="1600" dirty="0"/>
+              <a:t> </a:t>
+            </a:r>
+            <a:r>
+              <a:rPr lang="en-US" sz="1600" dirty="0">
+                <a:hlinkClick r:id="rId3" tooltip="Variable (mathematics)"/>
+              </a:rPr>
+              <a:t>variable</a:t>
+            </a:r>
+            <a:r>
+              <a:rPr lang="en-US" sz="1600" dirty="0"/>
+              <a:t> in a </a:t>
+            </a:r>
+            <a:r>
+              <a:rPr lang="en-US" sz="1600" dirty="0">
+                <a:hlinkClick r:id="rId4" tooltip="Multiple regression"/>
+              </a:rPr>
+              <a:t>multiple regression</a:t>
+            </a:r>
+            <a:r>
+              <a:rPr lang="en-US" sz="1600" dirty="0"/>
+              <a:t> model can be linearly predicted from the others with a substantial degree of </a:t>
+            </a:r>
+            <a:r>
+              <a:rPr lang="en-US" sz="1600" dirty="0" smtClean="0"/>
+              <a:t>accuracy.</a:t>
+            </a:r>
+          </a:p>
+          <a:p>
+            <a:endParaRPr lang="en-US" sz="1600" dirty="0"/>
+          </a:p>
+          <a:p>
+            <a:r>
+              <a:rPr lang="en-US" sz="1600" dirty="0" smtClean="0"/>
+              <a:t>To check </a:t>
+            </a:r>
+            <a:r>
+              <a:rPr lang="en-US" sz="1600" dirty="0" err="1" smtClean="0"/>
+              <a:t>Multicollinearity</a:t>
+            </a:r>
+            <a:r>
+              <a:rPr lang="en-US" sz="1600" dirty="0" smtClean="0"/>
+              <a:t>, We use Variance Inflation Factor.</a:t>
+            </a:r>
+          </a:p>
+          <a:p>
+            <a:endParaRPr lang="en-US" sz="1600" dirty="0"/>
+          </a:p>
+          <a:p>
+            <a:r>
+              <a:rPr lang="en-US" sz="1600" dirty="0"/>
+              <a:t>Variance Inflation Factor (VIF) - It provides an index that measures how much the variance (the square of the estimate's standard deviation) of an estimated regression coefficient is increased because of </a:t>
+            </a:r>
+            <a:r>
+              <a:rPr lang="en-US" sz="1600" dirty="0" err="1"/>
+              <a:t>collinearity</a:t>
+            </a:r>
+            <a:r>
+              <a:rPr lang="en-US" sz="1600" dirty="0" smtClean="0"/>
+              <a:t>.</a:t>
+            </a:r>
+          </a:p>
+          <a:p>
+            <a:endParaRPr lang="en-US" sz="1600" dirty="0"/>
+          </a:p>
+          <a:p>
+            <a:r>
+              <a:rPr lang="en-US" sz="1600" dirty="0"/>
+              <a:t>VIF = 1 / (1-R-Square of j-</a:t>
+            </a:r>
+            <a:r>
+              <a:rPr lang="en-US" sz="1600" dirty="0" err="1"/>
+              <a:t>th</a:t>
+            </a:r>
+            <a:r>
+              <a:rPr lang="en-US" sz="1600" dirty="0"/>
+              <a:t> variable) where R2 of </a:t>
+            </a:r>
+            <a:r>
+              <a:rPr lang="en-US" sz="1600" dirty="0" err="1"/>
+              <a:t>jth</a:t>
+            </a:r>
+            <a:r>
+              <a:rPr lang="en-US" sz="1600" dirty="0"/>
+              <a:t> </a:t>
+            </a:r>
+            <a:r>
+              <a:rPr lang="en-US" sz="1600" dirty="0" err="1"/>
+              <a:t>varible</a:t>
+            </a:r>
+            <a:r>
+              <a:rPr lang="en-US" sz="1600" dirty="0"/>
+              <a:t> is the coefficient of determination of the model that includes all independent variables except the </a:t>
+            </a:r>
+            <a:r>
+              <a:rPr lang="en-US" sz="1600" dirty="0" err="1"/>
+              <a:t>jth</a:t>
+            </a:r>
+            <a:r>
+              <a:rPr lang="en-US" sz="1600" dirty="0"/>
+              <a:t> predictor</a:t>
+            </a:r>
+            <a:r>
+              <a:rPr lang="en-US" sz="1600" dirty="0" smtClean="0"/>
+              <a:t>.</a:t>
+            </a:r>
+          </a:p>
+          <a:p>
+            <a:endParaRPr lang="en-US" sz="1600" dirty="0"/>
+          </a:p>
+          <a:p>
+            <a:pPr marL="0" indent="0">
+              <a:buNone/>
+            </a:pPr>
+            <a:r>
+              <a:rPr lang="en-US" sz="1600" dirty="0" smtClean="0"/>
+              <a:t> Where </a:t>
+            </a:r>
+            <a:r>
+              <a:rPr lang="en-US" sz="1600" dirty="0"/>
+              <a:t>R-Square of j-</a:t>
+            </a:r>
+            <a:r>
+              <a:rPr lang="en-US" sz="1600" dirty="0" err="1"/>
+              <a:t>th</a:t>
+            </a:r>
+            <a:r>
+              <a:rPr lang="en-US" sz="1600" dirty="0"/>
+              <a:t> variable is the multiple R2 for the regression of </a:t>
+            </a:r>
+            <a:r>
+              <a:rPr lang="en-US" sz="1600" dirty="0" err="1"/>
+              <a:t>Xj</a:t>
+            </a:r>
+            <a:r>
+              <a:rPr lang="en-US" sz="1600" dirty="0"/>
+              <a:t> on the other </a:t>
+            </a:r>
+            <a:r>
+              <a:rPr lang="en-US" sz="1600" dirty="0" smtClean="0"/>
+              <a:t>  independent </a:t>
+            </a:r>
+            <a:r>
+              <a:rPr lang="en-US" sz="1600" dirty="0"/>
+              <a:t>variables (a regression that does not involve the dependent variable Y).</a:t>
+            </a:r>
+          </a:p>
+        </p:txBody>
+      </p:sp>
+    </p:spTree>
+    <p:extLst>
+      <p:ext uri="{BB962C8B-B14F-4D97-AF65-F5344CB8AC3E}">
+        <p14:creationId xmlns:p14="http://schemas.microsoft.com/office/powerpoint/2010/main" val="665155487"/>
+      </p:ext>
+    </p:extLst>
+  </p:cSld>
+  <p:clrMapOvr>
+    <a:masterClrMapping/>
+  </p:clrMapOvr>
+</p:sld>
+</file>
+
+<file path=ppt/slides/slide19.xml><?xml version="1.0" encoding="utf-8"?>
+<p:sld xmlns:a="http://schemas.openxmlformats.org/drawingml/2006/main" xmlns:r="http://schemas.openxmlformats.org/officeDocument/2006/relationships" xmlns:p="http://schemas.openxmlformats.org/presentationml/2006/main">
+  <p:cSld>
+    <p:spTree>
+      <p:nvGrpSpPr>
+        <p:cNvPr id="1" name=""/>
+        <p:cNvGrpSpPr/>
+        <p:nvPr/>
+      </p:nvGrpSpPr>
+      <p:grpSpPr>
+        <a:xfrm>
+          <a:off x="0" y="0"/>
+          <a:ext cx="0" cy="0"/>
+          <a:chOff x="0" y="0"/>
+          <a:chExt cx="0" cy="0"/>
+        </a:xfrm>
+      </p:grpSpPr>
+      <p:sp>
+        <p:nvSpPr>
+          <p:cNvPr id="4" name="TextBox 3"/>
+          <p:cNvSpPr txBox="1"/>
+          <p:nvPr/>
+        </p:nvSpPr>
+        <p:spPr>
+          <a:xfrm>
+            <a:off x="990600" y="2438400"/>
+            <a:ext cx="7162800" cy="584775"/>
+          </a:xfrm>
+          <a:prstGeom prst="rect">
+            <a:avLst/>
+          </a:prstGeom>
+          <a:noFill/>
+        </p:spPr>
+        <p:txBody>
+          <a:bodyPr wrap="square" rtlCol="0">
+            <a:spAutoFit/>
+          </a:bodyPr>
+          <a:lstStyle/>
+          <a:p>
+            <a:pPr marL="285750" indent="-285750">
+              <a:buFont typeface="Arial" pitchFamily="34" charset="0"/>
+              <a:buChar char="•"/>
+            </a:pPr>
+            <a:r>
+              <a:rPr lang="en-US" sz="1600" dirty="0" smtClean="0"/>
+              <a:t>Threshold VIF: 5 (</a:t>
+            </a:r>
+            <a:r>
+              <a:rPr lang="en-US" sz="1600" dirty="0"/>
+              <a:t>If VIF &gt; 5 then there is a problem with </a:t>
+            </a:r>
+            <a:r>
+              <a:rPr lang="en-US" sz="1600" dirty="0" err="1"/>
+              <a:t>multicollinearity</a:t>
+            </a:r>
+            <a:r>
+              <a:rPr lang="en-US" sz="1600" i="1" dirty="0" smtClean="0"/>
+              <a:t>.</a:t>
+            </a:r>
+          </a:p>
+          <a:p>
+            <a:pPr marL="285750" indent="-285750">
+              <a:buFont typeface="Arial" pitchFamily="34" charset="0"/>
+              <a:buChar char="•"/>
+            </a:pPr>
+            <a:r>
+              <a:rPr lang="en-US" sz="1600" dirty="0" smtClean="0"/>
+              <a:t>VIF &gt; 10 : implies Serious </a:t>
+            </a:r>
+            <a:r>
+              <a:rPr lang="en-US" sz="1600" dirty="0" err="1" smtClean="0"/>
+              <a:t>multicollinearity</a:t>
+            </a:r>
+            <a:r>
+              <a:rPr lang="en-US" sz="1600" dirty="0" smtClean="0"/>
+              <a:t>.</a:t>
+            </a:r>
+            <a:endParaRPr lang="en-US" sz="1600" dirty="0"/>
+          </a:p>
+        </p:txBody>
+      </p:sp>
+    </p:spTree>
+    <p:extLst>
+      <p:ext uri="{BB962C8B-B14F-4D97-AF65-F5344CB8AC3E}">
+        <p14:creationId xmlns:p14="http://schemas.microsoft.com/office/powerpoint/2010/main" val="2279476703"/>
+      </p:ext>
+    </p:extLst>
+  </p:cSld>
+  <p:clrMapOvr>
+    <a:masterClrMapping/>
+  </p:clrMapOvr>
+</p:sld>
+</file>
+
+<file path=ppt/slides/slide2.xml><?xml version="1.0" encoding="utf-8"?>
+<p:sld xmlns:a="http://schemas.openxmlformats.org/drawingml/2006/main" xmlns:r="http://schemas.openxmlformats.org/officeDocument/2006/relationships" xmlns:p="http://schemas.openxmlformats.org/presentationml/2006/main">
+  <p:cSld>
+    <p:spTree>
+      <p:nvGrpSpPr>
+        <p:cNvPr id="1" name=""/>
+        <p:cNvGrpSpPr/>
+        <p:nvPr/>
+      </p:nvGrpSpPr>
+      <p:grpSpPr>
+        <a:xfrm>
+          <a:off x="0" y="0"/>
+          <a:ext cx="0" cy="0"/>
+          <a:chOff x="0" y="0"/>
+          <a:chExt cx="0" cy="0"/>
+        </a:xfrm>
+      </p:grpSpPr>
+      <p:sp>
+        <p:nvSpPr>
+          <p:cNvPr id="2" name="Title 1"/>
+          <p:cNvSpPr>
+            <a:spLocks noGrp="1"/>
+          </p:cNvSpPr>
+          <p:nvPr>
+            <p:ph type="ctrTitle"/>
+          </p:nvPr>
+        </p:nvSpPr>
+        <p:spPr>
+          <a:xfrm>
+            <a:off x="609600" y="457200"/>
+            <a:ext cx="7772400" cy="1470025"/>
+          </a:xfrm>
+        </p:spPr>
+        <p:txBody>
+          <a:bodyPr/>
+          <a:lstStyle/>
+          <a:p>
+            <a:r>
+              <a:rPr lang="en-US" dirty="0" smtClean="0"/>
+              <a:t>Introduction To Linear Regression</a:t>
+            </a:r>
+            <a:endParaRPr lang="en-US" dirty="0"/>
+          </a:p>
+        </p:txBody>
+      </p:sp>
       <p:pic>
         <p:nvPicPr>
           <p:cNvPr id="4" name="Picture 3"/>
@@ -4911,6 +5308,566 @@
         </p:blipFill>
         <p:spPr>
           <a:xfrm>
+            <a:off x="2570018" y="2286000"/>
+            <a:ext cx="3810000" cy="3657600"/>
+          </a:xfrm>
+          <a:prstGeom prst="rect">
+            <a:avLst/>
+          </a:prstGeom>
+        </p:spPr>
+      </p:pic>
+    </p:spTree>
+    <p:extLst>
+      <p:ext uri="{BB962C8B-B14F-4D97-AF65-F5344CB8AC3E}">
+        <p14:creationId xmlns:p14="http://schemas.microsoft.com/office/powerpoint/2010/main" val="2770163996"/>
+      </p:ext>
+    </p:extLst>
+  </p:cSld>
+  <p:clrMapOvr>
+    <a:masterClrMapping/>
+  </p:clrMapOvr>
+  <p:timing>
+    <p:tnLst>
+      <p:par>
+        <p:cTn id="1" dur="indefinite" restart="never" nodeType="tmRoot"/>
+      </p:par>
+    </p:tnLst>
+  </p:timing>
+</p:sld>
+</file>
+
+<file path=ppt/slides/slide20.xml><?xml version="1.0" encoding="utf-8"?>
+<p:sld xmlns:a="http://schemas.openxmlformats.org/drawingml/2006/main" xmlns:r="http://schemas.openxmlformats.org/officeDocument/2006/relationships" xmlns:p="http://schemas.openxmlformats.org/presentationml/2006/main">
+  <p:cSld>
+    <p:spTree>
+      <p:nvGrpSpPr>
+        <p:cNvPr id="1" name=""/>
+        <p:cNvGrpSpPr/>
+        <p:nvPr/>
+      </p:nvGrpSpPr>
+      <p:grpSpPr>
+        <a:xfrm>
+          <a:off x="0" y="0"/>
+          <a:ext cx="0" cy="0"/>
+          <a:chOff x="0" y="0"/>
+          <a:chExt cx="0" cy="0"/>
+        </a:xfrm>
+      </p:grpSpPr>
+      <p:sp>
+        <p:nvSpPr>
+          <p:cNvPr id="2" name="Title 1"/>
+          <p:cNvSpPr>
+            <a:spLocks noGrp="1"/>
+          </p:cNvSpPr>
+          <p:nvPr>
+            <p:ph type="ctrTitle"/>
+          </p:nvPr>
+        </p:nvSpPr>
+        <p:spPr>
+          <a:xfrm>
+            <a:off x="685800" y="838200"/>
+            <a:ext cx="7772400" cy="993775"/>
+          </a:xfrm>
+        </p:spPr>
+        <p:txBody>
+          <a:bodyPr/>
+          <a:lstStyle/>
+          <a:p>
+            <a:r>
+              <a:rPr lang="en-US" dirty="0" smtClean="0"/>
+              <a:t>Lasso Regularization (L1)</a:t>
+            </a:r>
+            <a:endParaRPr lang="en-US" dirty="0"/>
+          </a:p>
+        </p:txBody>
+      </p:sp>
+      <p:pic>
+        <p:nvPicPr>
+          <p:cNvPr id="2050" name="Picture 2"/>
+          <p:cNvPicPr>
+            <a:picLocks noChangeAspect="1" noChangeArrowheads="1"/>
+          </p:cNvPicPr>
+          <p:nvPr/>
+        </p:nvPicPr>
+        <p:blipFill>
+          <a:blip r:embed="rId2">
+            <a:extLst>
+              <a:ext uri="{28A0092B-C50C-407E-A947-70E740481C1C}">
+                <a14:useLocalDpi xmlns:a14="http://schemas.microsoft.com/office/drawing/2010/main" val="0"/>
+              </a:ext>
+            </a:extLst>
+          </a:blip>
+          <a:srcRect/>
+          <a:stretch>
+            <a:fillRect/>
+          </a:stretch>
+        </p:blipFill>
+        <p:spPr bwMode="auto">
+          <a:xfrm>
+            <a:off x="2986086" y="4953000"/>
+            <a:ext cx="3095625" cy="1400175"/>
+          </a:xfrm>
+          <a:prstGeom prst="rect">
+            <a:avLst/>
+          </a:prstGeom>
+          <a:noFill/>
+          <a:ln>
+            <a:noFill/>
+          </a:ln>
+          <a:effectLst/>
+          <a:extLst>
+            <a:ext uri="{909E8E84-426E-40DD-AFC4-6F175D3DCCD1}">
+              <a14:hiddenFill xmlns:a14="http://schemas.microsoft.com/office/drawing/2010/main">
+                <a:solidFill>
+                  <a:schemeClr val="accent1"/>
+                </a:solidFill>
+              </a14:hiddenFill>
+            </a:ext>
+            <a:ext uri="{91240B29-F687-4F45-9708-019B960494DF}">
+              <a14:hiddenLine xmlns:a14="http://schemas.microsoft.com/office/drawing/2010/main" w="9525">
+                <a:solidFill>
+                  <a:schemeClr val="tx1"/>
+                </a:solidFill>
+                <a:miter lim="800000"/>
+                <a:headEnd/>
+                <a:tailEnd/>
+              </a14:hiddenLine>
+            </a:ext>
+            <a:ext uri="{AF507438-7753-43E0-B8FC-AC1667EBCBE1}">
+              <a14:hiddenEffects xmlns:a14="http://schemas.microsoft.com/office/drawing/2010/main">
+                <a:effectLst>
+                  <a:outerShdw dist="35921" dir="2700000" algn="ctr" rotWithShape="0">
+                    <a:schemeClr val="bg2"/>
+                  </a:outerShdw>
+                </a:effectLst>
+              </a14:hiddenEffects>
+            </a:ext>
+          </a:extLst>
+        </p:spPr>
+      </p:pic>
+      <p:sp>
+        <p:nvSpPr>
+          <p:cNvPr id="4" name="TextBox 3"/>
+          <p:cNvSpPr txBox="1"/>
+          <p:nvPr/>
+        </p:nvSpPr>
+        <p:spPr>
+          <a:xfrm>
+            <a:off x="685798" y="2514600"/>
+            <a:ext cx="7696199" cy="1754326"/>
+          </a:xfrm>
+          <a:prstGeom prst="rect">
+            <a:avLst/>
+          </a:prstGeom>
+          <a:noFill/>
+        </p:spPr>
+        <p:txBody>
+          <a:bodyPr wrap="square" rtlCol="0">
+            <a:spAutoFit/>
+          </a:bodyPr>
+          <a:lstStyle/>
+          <a:p>
+            <a:pPr marL="285750" indent="-285750">
+              <a:buFont typeface="Arial" pitchFamily="34" charset="0"/>
+              <a:buChar char="•"/>
+            </a:pPr>
+            <a:r>
+              <a:rPr lang="en-US" b="1" dirty="0"/>
+              <a:t>Lasso Regression</a:t>
+            </a:r>
+            <a:r>
+              <a:rPr lang="en-US" dirty="0"/>
+              <a:t> (Least Absolute Shrinkage and Selection Operator) adds “</a:t>
+            </a:r>
+            <a:r>
+              <a:rPr lang="en-US" i="1" dirty="0"/>
+              <a:t>absolute value of magnitude</a:t>
+            </a:r>
+            <a:r>
+              <a:rPr lang="en-US" dirty="0"/>
+              <a:t>” of coefficient as penalty term to the loss function</a:t>
+            </a:r>
+            <a:r>
+              <a:rPr lang="en-US" dirty="0" smtClean="0"/>
+              <a:t>.</a:t>
+            </a:r>
+          </a:p>
+          <a:p>
+            <a:pPr marL="285750" indent="-285750">
+              <a:buFont typeface="Arial" pitchFamily="34" charset="0"/>
+              <a:buChar char="•"/>
+            </a:pPr>
+            <a:endParaRPr lang="en-US" dirty="0"/>
+          </a:p>
+          <a:p>
+            <a:pPr marL="285750" indent="-285750">
+              <a:buFont typeface="Arial" pitchFamily="34" charset="0"/>
+              <a:buChar char="•"/>
+            </a:pPr>
+            <a:r>
+              <a:rPr lang="en-US" dirty="0" smtClean="0"/>
+              <a:t>Here, </a:t>
+            </a:r>
+            <a:r>
+              <a:rPr lang="en-US" dirty="0"/>
+              <a:t>if </a:t>
+            </a:r>
+            <a:r>
+              <a:rPr lang="en-US" i="1" dirty="0"/>
+              <a:t>lambda</a:t>
+            </a:r>
+            <a:r>
+              <a:rPr lang="en-US" dirty="0"/>
+              <a:t> is zero then we will get back OLS whereas very large value will make coefficients zero hence it will under-fit.</a:t>
+            </a:r>
+            <a:endParaRPr lang="en-US" dirty="0"/>
+          </a:p>
+        </p:txBody>
+      </p:sp>
+    </p:spTree>
+    <p:extLst>
+      <p:ext uri="{BB962C8B-B14F-4D97-AF65-F5344CB8AC3E}">
+        <p14:creationId xmlns:p14="http://schemas.microsoft.com/office/powerpoint/2010/main" val="2663396314"/>
+      </p:ext>
+    </p:extLst>
+  </p:cSld>
+  <p:clrMapOvr>
+    <a:masterClrMapping/>
+  </p:clrMapOvr>
+</p:sld>
+</file>
+
+<file path=ppt/slides/slide21.xml><?xml version="1.0" encoding="utf-8"?>
+<p:sld xmlns:a="http://schemas.openxmlformats.org/drawingml/2006/main" xmlns:r="http://schemas.openxmlformats.org/officeDocument/2006/relationships" xmlns:p="http://schemas.openxmlformats.org/presentationml/2006/main">
+  <p:cSld>
+    <p:spTree>
+      <p:nvGrpSpPr>
+        <p:cNvPr id="1" name=""/>
+        <p:cNvGrpSpPr/>
+        <p:nvPr/>
+      </p:nvGrpSpPr>
+      <p:grpSpPr>
+        <a:xfrm>
+          <a:off x="0" y="0"/>
+          <a:ext cx="0" cy="0"/>
+          <a:chOff x="0" y="0"/>
+          <a:chExt cx="0" cy="0"/>
+        </a:xfrm>
+      </p:grpSpPr>
+      <p:sp>
+        <p:nvSpPr>
+          <p:cNvPr id="2" name="Title 1"/>
+          <p:cNvSpPr>
+            <a:spLocks noGrp="1"/>
+          </p:cNvSpPr>
+          <p:nvPr>
+            <p:ph type="title"/>
+          </p:nvPr>
+        </p:nvSpPr>
+        <p:spPr/>
+        <p:txBody>
+          <a:bodyPr/>
+          <a:lstStyle/>
+          <a:p>
+            <a:r>
+              <a:rPr lang="en-US" dirty="0" smtClean="0"/>
+              <a:t>Ridge Regression(L2)</a:t>
+            </a:r>
+            <a:endParaRPr lang="en-US" dirty="0"/>
+          </a:p>
+        </p:txBody>
+      </p:sp>
+      <p:sp>
+        <p:nvSpPr>
+          <p:cNvPr id="4" name="TextBox 3"/>
+          <p:cNvSpPr txBox="1"/>
+          <p:nvPr/>
+        </p:nvSpPr>
+        <p:spPr>
+          <a:xfrm>
+            <a:off x="685800" y="1600200"/>
+            <a:ext cx="8001001" cy="2031325"/>
+          </a:xfrm>
+          <a:prstGeom prst="rect">
+            <a:avLst/>
+          </a:prstGeom>
+          <a:noFill/>
+        </p:spPr>
+        <p:txBody>
+          <a:bodyPr wrap="square" rtlCol="0">
+            <a:spAutoFit/>
+          </a:bodyPr>
+          <a:lstStyle/>
+          <a:p>
+            <a:pPr marL="285750" indent="-285750">
+              <a:buFont typeface="Arial" pitchFamily="34" charset="0"/>
+              <a:buChar char="•"/>
+            </a:pPr>
+            <a:r>
+              <a:rPr lang="en-US" b="1" dirty="0"/>
+              <a:t>Ridge regression</a:t>
+            </a:r>
+            <a:r>
+              <a:rPr lang="en-US" dirty="0"/>
+              <a:t> adds “</a:t>
+            </a:r>
+            <a:r>
+              <a:rPr lang="en-US" i="1" dirty="0"/>
+              <a:t>squared magnitude</a:t>
+            </a:r>
+            <a:r>
+              <a:rPr lang="en-US" dirty="0"/>
+              <a:t>” of coefficient as penalty term to the loss function. Here the </a:t>
+            </a:r>
+            <a:r>
+              <a:rPr lang="en-US" i="1" dirty="0"/>
+              <a:t>highlighted</a:t>
+            </a:r>
+            <a:r>
+              <a:rPr lang="en-US" dirty="0"/>
+              <a:t> part represents L2 regularization element</a:t>
+            </a:r>
+            <a:r>
+              <a:rPr lang="en-US" dirty="0" smtClean="0"/>
+              <a:t>.</a:t>
+            </a:r>
+          </a:p>
+          <a:p>
+            <a:pPr marL="285750" indent="-285750">
+              <a:buFont typeface="Arial" pitchFamily="34" charset="0"/>
+              <a:buChar char="•"/>
+            </a:pPr>
+            <a:endParaRPr lang="en-US" dirty="0"/>
+          </a:p>
+          <a:p>
+            <a:pPr marL="285750" indent="-285750">
+              <a:buFont typeface="Arial" pitchFamily="34" charset="0"/>
+              <a:buChar char="•"/>
+            </a:pPr>
+            <a:r>
+              <a:rPr lang="en-US" dirty="0"/>
+              <a:t>Here, if </a:t>
+            </a:r>
+            <a:r>
+              <a:rPr lang="en-US" i="1" dirty="0"/>
+              <a:t>lambda</a:t>
+            </a:r>
+            <a:r>
+              <a:rPr lang="en-US" dirty="0"/>
+              <a:t> is zero then you can imagine we get back OLS. However, if </a:t>
+            </a:r>
+            <a:r>
+              <a:rPr lang="en-US" i="1" dirty="0"/>
+              <a:t>lambda</a:t>
+            </a:r>
+            <a:r>
+              <a:rPr lang="en-US" dirty="0"/>
+              <a:t> is very large then it will add too much weight and it will lead to under-fitting. Having said that it’s important how </a:t>
+            </a:r>
+            <a:r>
+              <a:rPr lang="en-US" i="1" dirty="0"/>
+              <a:t>lambda</a:t>
+            </a:r>
+            <a:r>
+              <a:rPr lang="en-US" dirty="0"/>
+              <a:t> is chosen. This technique works very well to avoid over-fitting issue</a:t>
+            </a:r>
+            <a:endParaRPr lang="en-US" dirty="0"/>
+          </a:p>
+        </p:txBody>
+      </p:sp>
+      <p:pic>
+        <p:nvPicPr>
+          <p:cNvPr id="3074" name="Picture 2"/>
+          <p:cNvPicPr>
+            <a:picLocks noChangeAspect="1" noChangeArrowheads="1"/>
+          </p:cNvPicPr>
+          <p:nvPr/>
+        </p:nvPicPr>
+        <p:blipFill>
+          <a:blip r:embed="rId2">
+            <a:extLst>
+              <a:ext uri="{28A0092B-C50C-407E-A947-70E740481C1C}">
+                <a14:useLocalDpi xmlns:a14="http://schemas.microsoft.com/office/drawing/2010/main" val="0"/>
+              </a:ext>
+            </a:extLst>
+          </a:blip>
+          <a:srcRect/>
+          <a:stretch>
+            <a:fillRect/>
+          </a:stretch>
+        </p:blipFill>
+        <p:spPr bwMode="auto">
+          <a:xfrm>
+            <a:off x="1371600" y="3977421"/>
+            <a:ext cx="2933700" cy="1038225"/>
+          </a:xfrm>
+          <a:prstGeom prst="rect">
+            <a:avLst/>
+          </a:prstGeom>
+          <a:noFill/>
+          <a:ln>
+            <a:noFill/>
+          </a:ln>
+          <a:effectLst/>
+          <a:extLst>
+            <a:ext uri="{909E8E84-426E-40DD-AFC4-6F175D3DCCD1}">
+              <a14:hiddenFill xmlns:a14="http://schemas.microsoft.com/office/drawing/2010/main">
+                <a:solidFill>
+                  <a:schemeClr val="accent1"/>
+                </a:solidFill>
+              </a14:hiddenFill>
+            </a:ext>
+            <a:ext uri="{91240B29-F687-4F45-9708-019B960494DF}">
+              <a14:hiddenLine xmlns:a14="http://schemas.microsoft.com/office/drawing/2010/main" w="9525">
+                <a:solidFill>
+                  <a:schemeClr val="tx1"/>
+                </a:solidFill>
+                <a:miter lim="800000"/>
+                <a:headEnd/>
+                <a:tailEnd/>
+              </a14:hiddenLine>
+            </a:ext>
+            <a:ext uri="{AF507438-7753-43E0-B8FC-AC1667EBCBE1}">
+              <a14:hiddenEffects xmlns:a14="http://schemas.microsoft.com/office/drawing/2010/main">
+                <a:effectLst>
+                  <a:outerShdw dist="35921" dir="2700000" algn="ctr" rotWithShape="0">
+                    <a:schemeClr val="bg2"/>
+                  </a:outerShdw>
+                </a:effectLst>
+              </a14:hiddenEffects>
+            </a:ext>
+          </a:extLst>
+        </p:spPr>
+      </p:pic>
+    </p:spTree>
+    <p:extLst>
+      <p:ext uri="{BB962C8B-B14F-4D97-AF65-F5344CB8AC3E}">
+        <p14:creationId xmlns:p14="http://schemas.microsoft.com/office/powerpoint/2010/main" val="820173636"/>
+      </p:ext>
+    </p:extLst>
+  </p:cSld>
+  <p:clrMapOvr>
+    <a:masterClrMapping/>
+  </p:clrMapOvr>
+</p:sld>
+</file>
+
+<file path=ppt/slides/slide22.xml><?xml version="1.0" encoding="utf-8"?>
+<p:sld xmlns:a="http://schemas.openxmlformats.org/drawingml/2006/main" xmlns:r="http://schemas.openxmlformats.org/officeDocument/2006/relationships" xmlns:p="http://schemas.openxmlformats.org/presentationml/2006/main">
+  <p:cSld>
+    <p:spTree>
+      <p:nvGrpSpPr>
+        <p:cNvPr id="1" name=""/>
+        <p:cNvGrpSpPr/>
+        <p:nvPr/>
+      </p:nvGrpSpPr>
+      <p:grpSpPr>
+        <a:xfrm>
+          <a:off x="0" y="0"/>
+          <a:ext cx="0" cy="0"/>
+          <a:chOff x="0" y="0"/>
+          <a:chExt cx="0" cy="0"/>
+        </a:xfrm>
+      </p:grpSpPr>
+      <p:sp>
+        <p:nvSpPr>
+          <p:cNvPr id="4" name="TextBox 3"/>
+          <p:cNvSpPr txBox="1"/>
+          <p:nvPr/>
+        </p:nvSpPr>
+        <p:spPr>
+          <a:xfrm>
+            <a:off x="685800" y="930534"/>
+            <a:ext cx="7696200" cy="1200329"/>
+          </a:xfrm>
+          <a:prstGeom prst="rect">
+            <a:avLst/>
+          </a:prstGeom>
+          <a:noFill/>
+        </p:spPr>
+        <p:txBody>
+          <a:bodyPr wrap="square" rtlCol="0">
+            <a:spAutoFit/>
+          </a:bodyPr>
+          <a:lstStyle/>
+          <a:p>
+            <a:r>
+              <a:rPr lang="en-US" dirty="0"/>
+              <a:t>The </a:t>
+            </a:r>
+            <a:r>
+              <a:rPr lang="en-US" b="1" dirty="0"/>
+              <a:t>key difference</a:t>
+            </a:r>
+            <a:r>
+              <a:rPr lang="en-US" dirty="0"/>
+              <a:t> between these techniques is that Lasso shrinks the less important feature’s coefficient to zero thus, removing some feature altogether. So, this works well for </a:t>
+            </a:r>
+            <a:r>
+              <a:rPr lang="en-US" b="1" dirty="0"/>
+              <a:t>feature selection</a:t>
+            </a:r>
+            <a:r>
+              <a:rPr lang="en-US" dirty="0"/>
+              <a:t> in case we have a huge number of features.</a:t>
+            </a:r>
+            <a:endParaRPr lang="en-US" dirty="0"/>
+          </a:p>
+        </p:txBody>
+      </p:sp>
+    </p:spTree>
+    <p:extLst>
+      <p:ext uri="{BB962C8B-B14F-4D97-AF65-F5344CB8AC3E}">
+        <p14:creationId xmlns:p14="http://schemas.microsoft.com/office/powerpoint/2010/main" val="3761860793"/>
+      </p:ext>
+    </p:extLst>
+  </p:cSld>
+  <p:clrMapOvr>
+    <a:masterClrMapping/>
+  </p:clrMapOvr>
+</p:sld>
+</file>
+
+<file path=ppt/slides/slide23.xml><?xml version="1.0" encoding="utf-8"?>
+<p:sld xmlns:a="http://schemas.openxmlformats.org/drawingml/2006/main" xmlns:r="http://schemas.openxmlformats.org/officeDocument/2006/relationships" xmlns:p="http://schemas.openxmlformats.org/presentationml/2006/main">
+  <p:cSld>
+    <p:spTree>
+      <p:nvGrpSpPr>
+        <p:cNvPr id="1" name=""/>
+        <p:cNvGrpSpPr/>
+        <p:nvPr/>
+      </p:nvGrpSpPr>
+      <p:grpSpPr>
+        <a:xfrm>
+          <a:off x="0" y="0"/>
+          <a:ext cx="0" cy="0"/>
+          <a:chOff x="0" y="0"/>
+          <a:chExt cx="0" cy="0"/>
+        </a:xfrm>
+      </p:grpSpPr>
+      <p:pic>
+        <p:nvPicPr>
+          <p:cNvPr id="4" name="Picture 3"/>
+          <p:cNvPicPr>
+            <a:picLocks noChangeAspect="1"/>
+          </p:cNvPicPr>
+          <p:nvPr/>
+        </p:nvPicPr>
+        <p:blipFill>
+          <a:blip r:embed="rId2">
+            <a:extLst>
+              <a:ext uri="{28A0092B-C50C-407E-A947-70E740481C1C}">
+                <a14:useLocalDpi xmlns:a14="http://schemas.microsoft.com/office/drawing/2010/main" val="0"/>
+              </a:ext>
+            </a:extLst>
+          </a:blip>
+          <a:stretch>
+            <a:fillRect/>
+          </a:stretch>
+        </p:blipFill>
+        <p:spPr>
+          <a:xfrm>
             <a:off x="1447800" y="2124075"/>
             <a:ext cx="6400800" cy="2609850"/>
           </a:xfrm>
@@ -4924,7 +5881,7 @@
           <p:cNvPr id="3" name="Picture 2">
             <a:extLst>
               <a:ext uri="{FF2B5EF4-FFF2-40B4-BE49-F238E27FC236}">
-                <a16:creationId xmlns="" xmlns:a16="http://schemas.microsoft.com/office/drawing/2014/main" xmlns:lc="http://schemas.openxmlformats.org/drawingml/2006/lockedCanvas" id="{5CDA7093-9578-4CCC-BA8D-4F36D5AF4B96}"/>
+                <a16:creationId xmlns:lc="http://schemas.openxmlformats.org/drawingml/2006/lockedCanvas" xmlns:a16="http://schemas.microsoft.com/office/drawing/2014/main" xmlns="" id="{5CDA7093-9578-4CCC-BA8D-4F36D5AF4B96}"/>
               </a:ext>
             </a:extLst>
           </p:cNvPr>
@@ -5051,101 +6008,6 @@
     <p:extLst>
       <p:ext uri="{BB962C8B-B14F-4D97-AF65-F5344CB8AC3E}">
         <p14:creationId xmlns:p14="http://schemas.microsoft.com/office/powerpoint/2010/main" val="2328487643"/>
-      </p:ext>
-    </p:extLst>
-  </p:cSld>
-  <p:clrMapOvr>
-    <a:masterClrMapping/>
-  </p:clrMapOvr>
-  <p:timing>
-    <p:tnLst>
-      <p:par>
-        <p:cTn id="1" dur="indefinite" restart="never" nodeType="tmRoot"/>
-      </p:par>
-    </p:tnLst>
-  </p:timing>
-</p:sld>
-</file>
-
-<file path=ppt/slides/slide2.xml><?xml version="1.0" encoding="utf-8"?>
-<p:sld xmlns:a="http://schemas.openxmlformats.org/drawingml/2006/main" xmlns:r="http://schemas.openxmlformats.org/officeDocument/2006/relationships" xmlns:p="http://schemas.openxmlformats.org/presentationml/2006/main">
-  <p:cSld>
-    <p:spTree>
-      <p:nvGrpSpPr>
-        <p:cNvPr id="1" name=""/>
-        <p:cNvGrpSpPr/>
-        <p:nvPr/>
-      </p:nvGrpSpPr>
-      <p:grpSpPr>
-        <a:xfrm>
-          <a:off x="0" y="0"/>
-          <a:ext cx="0" cy="0"/>
-          <a:chOff x="0" y="0"/>
-          <a:chExt cx="0" cy="0"/>
-        </a:xfrm>
-      </p:grpSpPr>
-      <p:sp>
-        <p:nvSpPr>
-          <p:cNvPr id="2" name="Title 1"/>
-          <p:cNvSpPr>
-            <a:spLocks noGrp="1"/>
-          </p:cNvSpPr>
-          <p:nvPr>
-            <p:ph type="ctrTitle"/>
-          </p:nvPr>
-        </p:nvSpPr>
-        <p:spPr>
-          <a:xfrm>
-            <a:off x="609600" y="457200"/>
-            <a:ext cx="7772400" cy="1470025"/>
-          </a:xfrm>
-        </p:spPr>
-        <p:txBody>
-          <a:bodyPr/>
-          <a:lstStyle/>
-          <a:p>
-            <a:r>
-              <a:rPr lang="en-US" dirty="0" smtClean="0"/>
-              <a:t>Introduction To Linear Regression</a:t>
-            </a:r>
-            <a:endParaRPr lang="en-US" dirty="0"/>
-          </a:p>
-        </p:txBody>
-      </p:sp>
-      <p:pic>
-        <p:nvPicPr>
-          <p:cNvPr id="4" name="Picture 3"/>
-          <p:cNvPicPr>
-            <a:picLocks noChangeAspect="1"/>
-          </p:cNvPicPr>
-          <p:nvPr/>
-        </p:nvPicPr>
-        <p:blipFill>
-          <a:blip r:embed="rId2">
-            <a:extLst>
-              <a:ext uri="{28A0092B-C50C-407E-A947-70E740481C1C}">
-                <a14:useLocalDpi xmlns:a14="http://schemas.microsoft.com/office/drawing/2010/main" val="0"/>
-              </a:ext>
-            </a:extLst>
-          </a:blip>
-          <a:stretch>
-            <a:fillRect/>
-          </a:stretch>
-        </p:blipFill>
-        <p:spPr>
-          <a:xfrm>
-            <a:off x="2570018" y="2286000"/>
-            <a:ext cx="3810000" cy="3657600"/>
-          </a:xfrm>
-          <a:prstGeom prst="rect">
-            <a:avLst/>
-          </a:prstGeom>
-        </p:spPr>
-      </p:pic>
-    </p:spTree>
-    <p:extLst>
-      <p:ext uri="{BB962C8B-B14F-4D97-AF65-F5344CB8AC3E}">
-        <p14:creationId xmlns:p14="http://schemas.microsoft.com/office/powerpoint/2010/main" val="2770163996"/>
       </p:ext>
     </p:extLst>
   </p:cSld>
